--- a/ppt 16-9/1016.耶稣为友.pptx
+++ b/ppt 16-9/1016.耶稣为友.pptx
@@ -129,7 +129,7 @@
           <p:cNvPr id="2" name="标题 1">
             <a:extLst>
               <a:ext uri="{FF2B5EF4-FFF2-40B4-BE49-F238E27FC236}">
-                <a16:creationId xmlns:a16="http://schemas.microsoft.com/office/drawing/2014/main" id="{C58E700B-3A8A-070D-828E-E604626ABB05}"/>
+                <a16:creationId xmlns:a16="http://schemas.microsoft.com/office/drawing/2014/main" id="{2210B7CC-7C5A-95FC-177C-9E6A67596446}"/>
               </a:ext>
             </a:extLst>
           </p:cNvPr>
@@ -166,7 +166,7 @@
           <p:cNvPr id="3" name="副标题 2">
             <a:extLst>
               <a:ext uri="{FF2B5EF4-FFF2-40B4-BE49-F238E27FC236}">
-                <a16:creationId xmlns:a16="http://schemas.microsoft.com/office/drawing/2014/main" id="{64BBC58D-AA08-0520-D8A8-4E76AF5391E6}"/>
+                <a16:creationId xmlns:a16="http://schemas.microsoft.com/office/drawing/2014/main" id="{09396F95-6728-1747-870B-A106715EBCFA}"/>
               </a:ext>
             </a:extLst>
           </p:cNvPr>
@@ -236,7 +236,7 @@
           <p:cNvPr id="4" name="日期占位符 3">
             <a:extLst>
               <a:ext uri="{FF2B5EF4-FFF2-40B4-BE49-F238E27FC236}">
-                <a16:creationId xmlns:a16="http://schemas.microsoft.com/office/drawing/2014/main" id="{735F8E4F-B565-B39B-F607-E1EB7CF15730}"/>
+                <a16:creationId xmlns:a16="http://schemas.microsoft.com/office/drawing/2014/main" id="{A26BD0F1-84D1-E050-3E8D-BD4A9361C712}"/>
               </a:ext>
             </a:extLst>
           </p:cNvPr>
@@ -252,7 +252,7 @@
           <a:bodyPr/>
           <a:lstStyle/>
           <a:p>
-            <a:fld id="{927694C0-3D3E-4771-AEA3-942BFD0BE4FD}" type="datetimeFigureOut">
+            <a:fld id="{22B4C43D-F2FC-4F96-901B-470012C1B420}" type="datetimeFigureOut">
               <a:rPr lang="zh-CN" altLang="en-US" smtClean="0"/>
               <a:t>2024/3/10</a:t>
             </a:fld>
@@ -265,7 +265,7 @@
           <p:cNvPr id="5" name="页脚占位符 4">
             <a:extLst>
               <a:ext uri="{FF2B5EF4-FFF2-40B4-BE49-F238E27FC236}">
-                <a16:creationId xmlns:a16="http://schemas.microsoft.com/office/drawing/2014/main" id="{A1103346-E0F8-BC82-8159-683BD5BB11FE}"/>
+                <a16:creationId xmlns:a16="http://schemas.microsoft.com/office/drawing/2014/main" id="{CB81336B-EC1F-BD3E-ED79-02AF55DF9F8C}"/>
               </a:ext>
             </a:extLst>
           </p:cNvPr>
@@ -290,7 +290,7 @@
           <p:cNvPr id="6" name="灯片编号占位符 5">
             <a:extLst>
               <a:ext uri="{FF2B5EF4-FFF2-40B4-BE49-F238E27FC236}">
-                <a16:creationId xmlns:a16="http://schemas.microsoft.com/office/drawing/2014/main" id="{FA15D6FC-C7DD-588C-89A6-887A880AB8CE}"/>
+                <a16:creationId xmlns:a16="http://schemas.microsoft.com/office/drawing/2014/main" id="{15648C8D-024D-BB66-C431-9D1528CC7823}"/>
               </a:ext>
             </a:extLst>
           </p:cNvPr>
@@ -306,7 +306,7 @@
           <a:bodyPr/>
           <a:lstStyle/>
           <a:p>
-            <a:fld id="{8D83106B-62C0-41E7-BD57-65FD0AFA03AD}" type="slidenum">
+            <a:fld id="{BC90E40C-01B7-4A12-BA1B-EC5A014C3C5B}" type="slidenum">
               <a:rPr lang="zh-CN" altLang="en-US" smtClean="0"/>
               <a:t>‹#›</a:t>
             </a:fld>
@@ -317,7 +317,7 @@
     </p:spTree>
     <p:extLst>
       <p:ext uri="{BB962C8B-B14F-4D97-AF65-F5344CB8AC3E}">
-        <p14:creationId xmlns:p14="http://schemas.microsoft.com/office/powerpoint/2010/main" val="887635054"/>
+        <p14:creationId xmlns:p14="http://schemas.microsoft.com/office/powerpoint/2010/main" val="2361895769"/>
       </p:ext>
     </p:extLst>
   </p:cSld>
@@ -349,7 +349,7 @@
           <p:cNvPr id="2" name="标题 1">
             <a:extLst>
               <a:ext uri="{FF2B5EF4-FFF2-40B4-BE49-F238E27FC236}">
-                <a16:creationId xmlns:a16="http://schemas.microsoft.com/office/drawing/2014/main" id="{948FD829-B929-6335-2FEF-C357FCE63042}"/>
+                <a16:creationId xmlns:a16="http://schemas.microsoft.com/office/drawing/2014/main" id="{81974526-ABCC-8227-B48C-D33B018B1841}"/>
               </a:ext>
             </a:extLst>
           </p:cNvPr>
@@ -377,7 +377,7 @@
           <p:cNvPr id="3" name="竖排文字占位符 2">
             <a:extLst>
               <a:ext uri="{FF2B5EF4-FFF2-40B4-BE49-F238E27FC236}">
-                <a16:creationId xmlns:a16="http://schemas.microsoft.com/office/drawing/2014/main" id="{83D7CB77-F076-00BB-561A-D98F671FBDE9}"/>
+                <a16:creationId xmlns:a16="http://schemas.microsoft.com/office/drawing/2014/main" id="{52FF7056-B9DE-DD47-7908-6492B616D115}"/>
               </a:ext>
             </a:extLst>
           </p:cNvPr>
@@ -434,7 +434,7 @@
           <p:cNvPr id="4" name="日期占位符 3">
             <a:extLst>
               <a:ext uri="{FF2B5EF4-FFF2-40B4-BE49-F238E27FC236}">
-                <a16:creationId xmlns:a16="http://schemas.microsoft.com/office/drawing/2014/main" id="{7DE482F5-56FA-9D6C-65AF-5FC451BB3BF9}"/>
+                <a16:creationId xmlns:a16="http://schemas.microsoft.com/office/drawing/2014/main" id="{6F0373BA-5132-A2A1-9D35-252BBFD2A3F5}"/>
               </a:ext>
             </a:extLst>
           </p:cNvPr>
@@ -450,7 +450,7 @@
           <a:bodyPr/>
           <a:lstStyle/>
           <a:p>
-            <a:fld id="{927694C0-3D3E-4771-AEA3-942BFD0BE4FD}" type="datetimeFigureOut">
+            <a:fld id="{22B4C43D-F2FC-4F96-901B-470012C1B420}" type="datetimeFigureOut">
               <a:rPr lang="zh-CN" altLang="en-US" smtClean="0"/>
               <a:t>2024/3/10</a:t>
             </a:fld>
@@ -463,7 +463,7 @@
           <p:cNvPr id="5" name="页脚占位符 4">
             <a:extLst>
               <a:ext uri="{FF2B5EF4-FFF2-40B4-BE49-F238E27FC236}">
-                <a16:creationId xmlns:a16="http://schemas.microsoft.com/office/drawing/2014/main" id="{02B54114-9EC3-1C66-8B1D-87F4472BC077}"/>
+                <a16:creationId xmlns:a16="http://schemas.microsoft.com/office/drawing/2014/main" id="{FE152571-41CF-F67D-B5ED-8ABDDD97D7C3}"/>
               </a:ext>
             </a:extLst>
           </p:cNvPr>
@@ -488,7 +488,7 @@
           <p:cNvPr id="6" name="灯片编号占位符 5">
             <a:extLst>
               <a:ext uri="{FF2B5EF4-FFF2-40B4-BE49-F238E27FC236}">
-                <a16:creationId xmlns:a16="http://schemas.microsoft.com/office/drawing/2014/main" id="{168E7E42-D98F-5180-206A-687B349C6EF6}"/>
+                <a16:creationId xmlns:a16="http://schemas.microsoft.com/office/drawing/2014/main" id="{17B66168-FEF1-9C1E-6078-39A6F6923BA4}"/>
               </a:ext>
             </a:extLst>
           </p:cNvPr>
@@ -504,7 +504,7 @@
           <a:bodyPr/>
           <a:lstStyle/>
           <a:p>
-            <a:fld id="{8D83106B-62C0-41E7-BD57-65FD0AFA03AD}" type="slidenum">
+            <a:fld id="{BC90E40C-01B7-4A12-BA1B-EC5A014C3C5B}" type="slidenum">
               <a:rPr lang="zh-CN" altLang="en-US" smtClean="0"/>
               <a:t>‹#›</a:t>
             </a:fld>
@@ -515,7 +515,7 @@
     </p:spTree>
     <p:extLst>
       <p:ext uri="{BB962C8B-B14F-4D97-AF65-F5344CB8AC3E}">
-        <p14:creationId xmlns:p14="http://schemas.microsoft.com/office/powerpoint/2010/main" val="2590947704"/>
+        <p14:creationId xmlns:p14="http://schemas.microsoft.com/office/powerpoint/2010/main" val="1033315569"/>
       </p:ext>
     </p:extLst>
   </p:cSld>
@@ -547,7 +547,7 @@
           <p:cNvPr id="2" name="竖排标题 1">
             <a:extLst>
               <a:ext uri="{FF2B5EF4-FFF2-40B4-BE49-F238E27FC236}">
-                <a16:creationId xmlns:a16="http://schemas.microsoft.com/office/drawing/2014/main" id="{30D75DF2-83D3-530F-18CF-4258F51EF1D5}"/>
+                <a16:creationId xmlns:a16="http://schemas.microsoft.com/office/drawing/2014/main" id="{4D35E191-A381-5D43-913A-F8E0CBF9A5ED}"/>
               </a:ext>
             </a:extLst>
           </p:cNvPr>
@@ -580,7 +580,7 @@
           <p:cNvPr id="3" name="竖排文字占位符 2">
             <a:extLst>
               <a:ext uri="{FF2B5EF4-FFF2-40B4-BE49-F238E27FC236}">
-                <a16:creationId xmlns:a16="http://schemas.microsoft.com/office/drawing/2014/main" id="{F5F73C75-112A-DD60-BDDB-4FC9E9449C2A}"/>
+                <a16:creationId xmlns:a16="http://schemas.microsoft.com/office/drawing/2014/main" id="{994DB5B1-BCEC-D626-F894-0AF5CD545618}"/>
               </a:ext>
             </a:extLst>
           </p:cNvPr>
@@ -642,7 +642,7 @@
           <p:cNvPr id="4" name="日期占位符 3">
             <a:extLst>
               <a:ext uri="{FF2B5EF4-FFF2-40B4-BE49-F238E27FC236}">
-                <a16:creationId xmlns:a16="http://schemas.microsoft.com/office/drawing/2014/main" id="{6C169E21-B730-8B5B-9349-0D52169CCA74}"/>
+                <a16:creationId xmlns:a16="http://schemas.microsoft.com/office/drawing/2014/main" id="{E762C2D0-DAEE-89AF-28B3-F493EF0D8FF7}"/>
               </a:ext>
             </a:extLst>
           </p:cNvPr>
@@ -658,7 +658,7 @@
           <a:bodyPr/>
           <a:lstStyle/>
           <a:p>
-            <a:fld id="{927694C0-3D3E-4771-AEA3-942BFD0BE4FD}" type="datetimeFigureOut">
+            <a:fld id="{22B4C43D-F2FC-4F96-901B-470012C1B420}" type="datetimeFigureOut">
               <a:rPr lang="zh-CN" altLang="en-US" smtClean="0"/>
               <a:t>2024/3/10</a:t>
             </a:fld>
@@ -671,7 +671,7 @@
           <p:cNvPr id="5" name="页脚占位符 4">
             <a:extLst>
               <a:ext uri="{FF2B5EF4-FFF2-40B4-BE49-F238E27FC236}">
-                <a16:creationId xmlns:a16="http://schemas.microsoft.com/office/drawing/2014/main" id="{6629ECE9-C300-8782-1278-CE6F8F32A400}"/>
+                <a16:creationId xmlns:a16="http://schemas.microsoft.com/office/drawing/2014/main" id="{620F7227-CE63-9714-825E-5DFF06CBFBE5}"/>
               </a:ext>
             </a:extLst>
           </p:cNvPr>
@@ -696,7 +696,7 @@
           <p:cNvPr id="6" name="灯片编号占位符 5">
             <a:extLst>
               <a:ext uri="{FF2B5EF4-FFF2-40B4-BE49-F238E27FC236}">
-                <a16:creationId xmlns:a16="http://schemas.microsoft.com/office/drawing/2014/main" id="{E8B63921-E29C-BA18-F83D-C7FEB6AC29C2}"/>
+                <a16:creationId xmlns:a16="http://schemas.microsoft.com/office/drawing/2014/main" id="{4DD48944-C64C-46DA-F535-339A29AB8DB9}"/>
               </a:ext>
             </a:extLst>
           </p:cNvPr>
@@ -712,7 +712,7 @@
           <a:bodyPr/>
           <a:lstStyle/>
           <a:p>
-            <a:fld id="{8D83106B-62C0-41E7-BD57-65FD0AFA03AD}" type="slidenum">
+            <a:fld id="{BC90E40C-01B7-4A12-BA1B-EC5A014C3C5B}" type="slidenum">
               <a:rPr lang="zh-CN" altLang="en-US" smtClean="0"/>
               <a:t>‹#›</a:t>
             </a:fld>
@@ -723,7 +723,7 @@
     </p:spTree>
     <p:extLst>
       <p:ext uri="{BB962C8B-B14F-4D97-AF65-F5344CB8AC3E}">
-        <p14:creationId xmlns:p14="http://schemas.microsoft.com/office/powerpoint/2010/main" val="3729652252"/>
+        <p14:creationId xmlns:p14="http://schemas.microsoft.com/office/powerpoint/2010/main" val="218423159"/>
       </p:ext>
     </p:extLst>
   </p:cSld>
@@ -755,7 +755,7 @@
           <p:cNvPr id="2" name="标题 1">
             <a:extLst>
               <a:ext uri="{FF2B5EF4-FFF2-40B4-BE49-F238E27FC236}">
-                <a16:creationId xmlns:a16="http://schemas.microsoft.com/office/drawing/2014/main" id="{DD78294F-7523-4B20-ACB2-94E8AC4A16D2}"/>
+                <a16:creationId xmlns:a16="http://schemas.microsoft.com/office/drawing/2014/main" id="{C691688A-94B0-08C8-4489-FF6519E1D4A3}"/>
               </a:ext>
             </a:extLst>
           </p:cNvPr>
@@ -783,7 +783,7 @@
           <p:cNvPr id="3" name="内容占位符 2">
             <a:extLst>
               <a:ext uri="{FF2B5EF4-FFF2-40B4-BE49-F238E27FC236}">
-                <a16:creationId xmlns:a16="http://schemas.microsoft.com/office/drawing/2014/main" id="{3BD610A8-4C9F-7A20-C356-4D9EB4F8BF63}"/>
+                <a16:creationId xmlns:a16="http://schemas.microsoft.com/office/drawing/2014/main" id="{C964FC94-99E7-870B-151C-BFDF17BC5324}"/>
               </a:ext>
             </a:extLst>
           </p:cNvPr>
@@ -840,7 +840,7 @@
           <p:cNvPr id="4" name="日期占位符 3">
             <a:extLst>
               <a:ext uri="{FF2B5EF4-FFF2-40B4-BE49-F238E27FC236}">
-                <a16:creationId xmlns:a16="http://schemas.microsoft.com/office/drawing/2014/main" id="{51F85649-E1F1-128D-6026-7A687CA1879A}"/>
+                <a16:creationId xmlns:a16="http://schemas.microsoft.com/office/drawing/2014/main" id="{EFD20694-5B06-1FB1-F19B-74AF85A0F9EB}"/>
               </a:ext>
             </a:extLst>
           </p:cNvPr>
@@ -856,7 +856,7 @@
           <a:bodyPr/>
           <a:lstStyle/>
           <a:p>
-            <a:fld id="{927694C0-3D3E-4771-AEA3-942BFD0BE4FD}" type="datetimeFigureOut">
+            <a:fld id="{22B4C43D-F2FC-4F96-901B-470012C1B420}" type="datetimeFigureOut">
               <a:rPr lang="zh-CN" altLang="en-US" smtClean="0"/>
               <a:t>2024/3/10</a:t>
             </a:fld>
@@ -869,7 +869,7 @@
           <p:cNvPr id="5" name="页脚占位符 4">
             <a:extLst>
               <a:ext uri="{FF2B5EF4-FFF2-40B4-BE49-F238E27FC236}">
-                <a16:creationId xmlns:a16="http://schemas.microsoft.com/office/drawing/2014/main" id="{220CEAA5-6C56-4209-9034-23E2B3CD68D8}"/>
+                <a16:creationId xmlns:a16="http://schemas.microsoft.com/office/drawing/2014/main" id="{F9109BF7-D10E-F33F-069F-12082B23E8A5}"/>
               </a:ext>
             </a:extLst>
           </p:cNvPr>
@@ -894,7 +894,7 @@
           <p:cNvPr id="6" name="灯片编号占位符 5">
             <a:extLst>
               <a:ext uri="{FF2B5EF4-FFF2-40B4-BE49-F238E27FC236}">
-                <a16:creationId xmlns:a16="http://schemas.microsoft.com/office/drawing/2014/main" id="{93640438-A298-C7F1-2C8E-F4643C107D0F}"/>
+                <a16:creationId xmlns:a16="http://schemas.microsoft.com/office/drawing/2014/main" id="{E76958F6-1852-46C4-BF86-263EA7985EC1}"/>
               </a:ext>
             </a:extLst>
           </p:cNvPr>
@@ -910,7 +910,7 @@
           <a:bodyPr/>
           <a:lstStyle/>
           <a:p>
-            <a:fld id="{8D83106B-62C0-41E7-BD57-65FD0AFA03AD}" type="slidenum">
+            <a:fld id="{BC90E40C-01B7-4A12-BA1B-EC5A014C3C5B}" type="slidenum">
               <a:rPr lang="zh-CN" altLang="en-US" smtClean="0"/>
               <a:t>‹#›</a:t>
             </a:fld>
@@ -921,7 +921,7 @@
     </p:spTree>
     <p:extLst>
       <p:ext uri="{BB962C8B-B14F-4D97-AF65-F5344CB8AC3E}">
-        <p14:creationId xmlns:p14="http://schemas.microsoft.com/office/powerpoint/2010/main" val="3944839129"/>
+        <p14:creationId xmlns:p14="http://schemas.microsoft.com/office/powerpoint/2010/main" val="949495050"/>
       </p:ext>
     </p:extLst>
   </p:cSld>
@@ -953,7 +953,7 @@
           <p:cNvPr id="2" name="标题 1">
             <a:extLst>
               <a:ext uri="{FF2B5EF4-FFF2-40B4-BE49-F238E27FC236}">
-                <a16:creationId xmlns:a16="http://schemas.microsoft.com/office/drawing/2014/main" id="{91109FB3-94FD-02DA-F8A2-77B498F03DFF}"/>
+                <a16:creationId xmlns:a16="http://schemas.microsoft.com/office/drawing/2014/main" id="{55AF0DDD-4C57-F0FA-0B06-7CA66DF704E5}"/>
               </a:ext>
             </a:extLst>
           </p:cNvPr>
@@ -990,7 +990,7 @@
           <p:cNvPr id="3" name="文本占位符 2">
             <a:extLst>
               <a:ext uri="{FF2B5EF4-FFF2-40B4-BE49-F238E27FC236}">
-                <a16:creationId xmlns:a16="http://schemas.microsoft.com/office/drawing/2014/main" id="{C3D5A2BF-6C07-704E-0153-E0034CCEA310}"/>
+                <a16:creationId xmlns:a16="http://schemas.microsoft.com/office/drawing/2014/main" id="{7B574BD7-736E-E346-110D-2DCB954478AF}"/>
               </a:ext>
             </a:extLst>
           </p:cNvPr>
@@ -1115,7 +1115,7 @@
           <p:cNvPr id="4" name="日期占位符 3">
             <a:extLst>
               <a:ext uri="{FF2B5EF4-FFF2-40B4-BE49-F238E27FC236}">
-                <a16:creationId xmlns:a16="http://schemas.microsoft.com/office/drawing/2014/main" id="{F16FA3B1-2DFF-54A0-15B1-E57A2F12DF95}"/>
+                <a16:creationId xmlns:a16="http://schemas.microsoft.com/office/drawing/2014/main" id="{765A3E6D-77C9-0CA0-A264-60FAD2824464}"/>
               </a:ext>
             </a:extLst>
           </p:cNvPr>
@@ -1131,7 +1131,7 @@
           <a:bodyPr/>
           <a:lstStyle/>
           <a:p>
-            <a:fld id="{927694C0-3D3E-4771-AEA3-942BFD0BE4FD}" type="datetimeFigureOut">
+            <a:fld id="{22B4C43D-F2FC-4F96-901B-470012C1B420}" type="datetimeFigureOut">
               <a:rPr lang="zh-CN" altLang="en-US" smtClean="0"/>
               <a:t>2024/3/10</a:t>
             </a:fld>
@@ -1144,7 +1144,7 @@
           <p:cNvPr id="5" name="页脚占位符 4">
             <a:extLst>
               <a:ext uri="{FF2B5EF4-FFF2-40B4-BE49-F238E27FC236}">
-                <a16:creationId xmlns:a16="http://schemas.microsoft.com/office/drawing/2014/main" id="{EE483837-FC9A-6C1E-1629-8017EBA96422}"/>
+                <a16:creationId xmlns:a16="http://schemas.microsoft.com/office/drawing/2014/main" id="{C6B0D443-52F8-FB4B-336D-759EEB4B0FE9}"/>
               </a:ext>
             </a:extLst>
           </p:cNvPr>
@@ -1169,7 +1169,7 @@
           <p:cNvPr id="6" name="灯片编号占位符 5">
             <a:extLst>
               <a:ext uri="{FF2B5EF4-FFF2-40B4-BE49-F238E27FC236}">
-                <a16:creationId xmlns:a16="http://schemas.microsoft.com/office/drawing/2014/main" id="{8148914F-102F-5768-2231-526C1E9D8C60}"/>
+                <a16:creationId xmlns:a16="http://schemas.microsoft.com/office/drawing/2014/main" id="{449CCB3C-14CC-5283-E83C-8B8ED145510F}"/>
               </a:ext>
             </a:extLst>
           </p:cNvPr>
@@ -1185,7 +1185,7 @@
           <a:bodyPr/>
           <a:lstStyle/>
           <a:p>
-            <a:fld id="{8D83106B-62C0-41E7-BD57-65FD0AFA03AD}" type="slidenum">
+            <a:fld id="{BC90E40C-01B7-4A12-BA1B-EC5A014C3C5B}" type="slidenum">
               <a:rPr lang="zh-CN" altLang="en-US" smtClean="0"/>
               <a:t>‹#›</a:t>
             </a:fld>
@@ -1196,7 +1196,7 @@
     </p:spTree>
     <p:extLst>
       <p:ext uri="{BB962C8B-B14F-4D97-AF65-F5344CB8AC3E}">
-        <p14:creationId xmlns:p14="http://schemas.microsoft.com/office/powerpoint/2010/main" val="2748901346"/>
+        <p14:creationId xmlns:p14="http://schemas.microsoft.com/office/powerpoint/2010/main" val="1942433986"/>
       </p:ext>
     </p:extLst>
   </p:cSld>
@@ -1228,7 +1228,7 @@
           <p:cNvPr id="2" name="标题 1">
             <a:extLst>
               <a:ext uri="{FF2B5EF4-FFF2-40B4-BE49-F238E27FC236}">
-                <a16:creationId xmlns:a16="http://schemas.microsoft.com/office/drawing/2014/main" id="{1FCAB7F8-EA58-CE16-DCAA-7C3BCF454681}"/>
+                <a16:creationId xmlns:a16="http://schemas.microsoft.com/office/drawing/2014/main" id="{FD21055C-B8DE-9F06-80E3-7A89251BA5C8}"/>
               </a:ext>
             </a:extLst>
           </p:cNvPr>
@@ -1256,7 +1256,7 @@
           <p:cNvPr id="3" name="内容占位符 2">
             <a:extLst>
               <a:ext uri="{FF2B5EF4-FFF2-40B4-BE49-F238E27FC236}">
-                <a16:creationId xmlns:a16="http://schemas.microsoft.com/office/drawing/2014/main" id="{D47EE1E0-0EF0-C551-6604-6142D6715B98}"/>
+                <a16:creationId xmlns:a16="http://schemas.microsoft.com/office/drawing/2014/main" id="{EF59A444-18DB-DE5A-F666-CDA8CBD605C4}"/>
               </a:ext>
             </a:extLst>
           </p:cNvPr>
@@ -1318,7 +1318,7 @@
           <p:cNvPr id="4" name="内容占位符 3">
             <a:extLst>
               <a:ext uri="{FF2B5EF4-FFF2-40B4-BE49-F238E27FC236}">
-                <a16:creationId xmlns:a16="http://schemas.microsoft.com/office/drawing/2014/main" id="{D7C9607A-45AF-6BE9-C0AC-89EF5400EFC9}"/>
+                <a16:creationId xmlns:a16="http://schemas.microsoft.com/office/drawing/2014/main" id="{FE90BAC6-93F3-0D71-2516-5C500BBD99AE}"/>
               </a:ext>
             </a:extLst>
           </p:cNvPr>
@@ -1380,7 +1380,7 @@
           <p:cNvPr id="5" name="日期占位符 4">
             <a:extLst>
               <a:ext uri="{FF2B5EF4-FFF2-40B4-BE49-F238E27FC236}">
-                <a16:creationId xmlns:a16="http://schemas.microsoft.com/office/drawing/2014/main" id="{BE169346-8DA3-763E-77FA-3CF1645A2644}"/>
+                <a16:creationId xmlns:a16="http://schemas.microsoft.com/office/drawing/2014/main" id="{1598796C-65FD-5D9C-8DA9-B44C8DE9671A}"/>
               </a:ext>
             </a:extLst>
           </p:cNvPr>
@@ -1396,7 +1396,7 @@
           <a:bodyPr/>
           <a:lstStyle/>
           <a:p>
-            <a:fld id="{927694C0-3D3E-4771-AEA3-942BFD0BE4FD}" type="datetimeFigureOut">
+            <a:fld id="{22B4C43D-F2FC-4F96-901B-470012C1B420}" type="datetimeFigureOut">
               <a:rPr lang="zh-CN" altLang="en-US" smtClean="0"/>
               <a:t>2024/3/10</a:t>
             </a:fld>
@@ -1409,7 +1409,7 @@
           <p:cNvPr id="6" name="页脚占位符 5">
             <a:extLst>
               <a:ext uri="{FF2B5EF4-FFF2-40B4-BE49-F238E27FC236}">
-                <a16:creationId xmlns:a16="http://schemas.microsoft.com/office/drawing/2014/main" id="{EFBB01AA-701F-5523-A54C-AB0375CCB37E}"/>
+                <a16:creationId xmlns:a16="http://schemas.microsoft.com/office/drawing/2014/main" id="{7F3C3C66-0CD4-F88E-042A-99C7A119AFB2}"/>
               </a:ext>
             </a:extLst>
           </p:cNvPr>
@@ -1434,7 +1434,7 @@
           <p:cNvPr id="7" name="灯片编号占位符 6">
             <a:extLst>
               <a:ext uri="{FF2B5EF4-FFF2-40B4-BE49-F238E27FC236}">
-                <a16:creationId xmlns:a16="http://schemas.microsoft.com/office/drawing/2014/main" id="{381C05B5-AAB8-41CA-9E07-CA5B4569BD1F}"/>
+                <a16:creationId xmlns:a16="http://schemas.microsoft.com/office/drawing/2014/main" id="{DDCC9BB4-57B5-6849-A485-4D5C0C4EB060}"/>
               </a:ext>
             </a:extLst>
           </p:cNvPr>
@@ -1450,7 +1450,7 @@
           <a:bodyPr/>
           <a:lstStyle/>
           <a:p>
-            <a:fld id="{8D83106B-62C0-41E7-BD57-65FD0AFA03AD}" type="slidenum">
+            <a:fld id="{BC90E40C-01B7-4A12-BA1B-EC5A014C3C5B}" type="slidenum">
               <a:rPr lang="zh-CN" altLang="en-US" smtClean="0"/>
               <a:t>‹#›</a:t>
             </a:fld>
@@ -1461,7 +1461,7 @@
     </p:spTree>
     <p:extLst>
       <p:ext uri="{BB962C8B-B14F-4D97-AF65-F5344CB8AC3E}">
-        <p14:creationId xmlns:p14="http://schemas.microsoft.com/office/powerpoint/2010/main" val="2657617737"/>
+        <p14:creationId xmlns:p14="http://schemas.microsoft.com/office/powerpoint/2010/main" val="1411795371"/>
       </p:ext>
     </p:extLst>
   </p:cSld>
@@ -1493,7 +1493,7 @@
           <p:cNvPr id="2" name="标题 1">
             <a:extLst>
               <a:ext uri="{FF2B5EF4-FFF2-40B4-BE49-F238E27FC236}">
-                <a16:creationId xmlns:a16="http://schemas.microsoft.com/office/drawing/2014/main" id="{4A131320-B7A3-BA92-4205-796D076E1E12}"/>
+                <a16:creationId xmlns:a16="http://schemas.microsoft.com/office/drawing/2014/main" id="{8E534E56-E6DE-6F7C-AA9F-1AD3AA4DAC08}"/>
               </a:ext>
             </a:extLst>
           </p:cNvPr>
@@ -1526,7 +1526,7 @@
           <p:cNvPr id="3" name="文本占位符 2">
             <a:extLst>
               <a:ext uri="{FF2B5EF4-FFF2-40B4-BE49-F238E27FC236}">
-                <a16:creationId xmlns:a16="http://schemas.microsoft.com/office/drawing/2014/main" id="{EC4748EC-E705-7F36-9051-4C3F4B27A717}"/>
+                <a16:creationId xmlns:a16="http://schemas.microsoft.com/office/drawing/2014/main" id="{45AD0581-0856-804F-75BF-334EFC3C5407}"/>
               </a:ext>
             </a:extLst>
           </p:cNvPr>
@@ -1597,7 +1597,7 @@
           <p:cNvPr id="4" name="内容占位符 3">
             <a:extLst>
               <a:ext uri="{FF2B5EF4-FFF2-40B4-BE49-F238E27FC236}">
-                <a16:creationId xmlns:a16="http://schemas.microsoft.com/office/drawing/2014/main" id="{009560D3-16D6-CB9A-EFD1-D3A122E2D733}"/>
+                <a16:creationId xmlns:a16="http://schemas.microsoft.com/office/drawing/2014/main" id="{9D93073D-5966-FF51-6215-1D0069F964E1}"/>
               </a:ext>
             </a:extLst>
           </p:cNvPr>
@@ -1659,7 +1659,7 @@
           <p:cNvPr id="5" name="文本占位符 4">
             <a:extLst>
               <a:ext uri="{FF2B5EF4-FFF2-40B4-BE49-F238E27FC236}">
-                <a16:creationId xmlns:a16="http://schemas.microsoft.com/office/drawing/2014/main" id="{D11D1700-31A7-D8D0-2495-449FE12D8C61}"/>
+                <a16:creationId xmlns:a16="http://schemas.microsoft.com/office/drawing/2014/main" id="{71D493FB-2F9B-7524-79AA-6CBBB5D4278B}"/>
               </a:ext>
             </a:extLst>
           </p:cNvPr>
@@ -1730,7 +1730,7 @@
           <p:cNvPr id="6" name="内容占位符 5">
             <a:extLst>
               <a:ext uri="{FF2B5EF4-FFF2-40B4-BE49-F238E27FC236}">
-                <a16:creationId xmlns:a16="http://schemas.microsoft.com/office/drawing/2014/main" id="{3BD9C733-1A81-09F0-96D8-848B5E92293B}"/>
+                <a16:creationId xmlns:a16="http://schemas.microsoft.com/office/drawing/2014/main" id="{F4894A80-29D0-709B-C6E3-C27985F95CAD}"/>
               </a:ext>
             </a:extLst>
           </p:cNvPr>
@@ -1792,7 +1792,7 @@
           <p:cNvPr id="7" name="日期占位符 6">
             <a:extLst>
               <a:ext uri="{FF2B5EF4-FFF2-40B4-BE49-F238E27FC236}">
-                <a16:creationId xmlns:a16="http://schemas.microsoft.com/office/drawing/2014/main" id="{7D01B0A9-263A-B986-D20E-4ABBD0E2F321}"/>
+                <a16:creationId xmlns:a16="http://schemas.microsoft.com/office/drawing/2014/main" id="{34BBD445-3444-E1F2-7024-FA4DB3A5E1DE}"/>
               </a:ext>
             </a:extLst>
           </p:cNvPr>
@@ -1808,7 +1808,7 @@
           <a:bodyPr/>
           <a:lstStyle/>
           <a:p>
-            <a:fld id="{927694C0-3D3E-4771-AEA3-942BFD0BE4FD}" type="datetimeFigureOut">
+            <a:fld id="{22B4C43D-F2FC-4F96-901B-470012C1B420}" type="datetimeFigureOut">
               <a:rPr lang="zh-CN" altLang="en-US" smtClean="0"/>
               <a:t>2024/3/10</a:t>
             </a:fld>
@@ -1821,7 +1821,7 @@
           <p:cNvPr id="8" name="页脚占位符 7">
             <a:extLst>
               <a:ext uri="{FF2B5EF4-FFF2-40B4-BE49-F238E27FC236}">
-                <a16:creationId xmlns:a16="http://schemas.microsoft.com/office/drawing/2014/main" id="{3C50C981-5896-6FFE-2EDB-7BAA48E86665}"/>
+                <a16:creationId xmlns:a16="http://schemas.microsoft.com/office/drawing/2014/main" id="{8CE3D600-896F-2779-1AB0-34D558FE03B8}"/>
               </a:ext>
             </a:extLst>
           </p:cNvPr>
@@ -1846,7 +1846,7 @@
           <p:cNvPr id="9" name="灯片编号占位符 8">
             <a:extLst>
               <a:ext uri="{FF2B5EF4-FFF2-40B4-BE49-F238E27FC236}">
-                <a16:creationId xmlns:a16="http://schemas.microsoft.com/office/drawing/2014/main" id="{76D78849-6757-2D23-2AFE-8D9EBF05A22E}"/>
+                <a16:creationId xmlns:a16="http://schemas.microsoft.com/office/drawing/2014/main" id="{F99F57E1-F395-B36D-2D2C-45E3A8D0F067}"/>
               </a:ext>
             </a:extLst>
           </p:cNvPr>
@@ -1862,7 +1862,7 @@
           <a:bodyPr/>
           <a:lstStyle/>
           <a:p>
-            <a:fld id="{8D83106B-62C0-41E7-BD57-65FD0AFA03AD}" type="slidenum">
+            <a:fld id="{BC90E40C-01B7-4A12-BA1B-EC5A014C3C5B}" type="slidenum">
               <a:rPr lang="zh-CN" altLang="en-US" smtClean="0"/>
               <a:t>‹#›</a:t>
             </a:fld>
@@ -1873,7 +1873,7 @@
     </p:spTree>
     <p:extLst>
       <p:ext uri="{BB962C8B-B14F-4D97-AF65-F5344CB8AC3E}">
-        <p14:creationId xmlns:p14="http://schemas.microsoft.com/office/powerpoint/2010/main" val="908094530"/>
+        <p14:creationId xmlns:p14="http://schemas.microsoft.com/office/powerpoint/2010/main" val="939847508"/>
       </p:ext>
     </p:extLst>
   </p:cSld>
@@ -1905,7 +1905,7 @@
           <p:cNvPr id="2" name="标题 1">
             <a:extLst>
               <a:ext uri="{FF2B5EF4-FFF2-40B4-BE49-F238E27FC236}">
-                <a16:creationId xmlns:a16="http://schemas.microsoft.com/office/drawing/2014/main" id="{5FA6FDC1-530E-D29A-1B41-ED7E869A4F75}"/>
+                <a16:creationId xmlns:a16="http://schemas.microsoft.com/office/drawing/2014/main" id="{3CBF6F93-C5FC-A84A-62AA-215994AF0433}"/>
               </a:ext>
             </a:extLst>
           </p:cNvPr>
@@ -1933,7 +1933,7 @@
           <p:cNvPr id="3" name="日期占位符 2">
             <a:extLst>
               <a:ext uri="{FF2B5EF4-FFF2-40B4-BE49-F238E27FC236}">
-                <a16:creationId xmlns:a16="http://schemas.microsoft.com/office/drawing/2014/main" id="{160099A3-05DE-886B-920F-2FCDBD33B2FB}"/>
+                <a16:creationId xmlns:a16="http://schemas.microsoft.com/office/drawing/2014/main" id="{F62548E9-5756-1193-CFED-E5B687300A71}"/>
               </a:ext>
             </a:extLst>
           </p:cNvPr>
@@ -1949,7 +1949,7 @@
           <a:bodyPr/>
           <a:lstStyle/>
           <a:p>
-            <a:fld id="{927694C0-3D3E-4771-AEA3-942BFD0BE4FD}" type="datetimeFigureOut">
+            <a:fld id="{22B4C43D-F2FC-4F96-901B-470012C1B420}" type="datetimeFigureOut">
               <a:rPr lang="zh-CN" altLang="en-US" smtClean="0"/>
               <a:t>2024/3/10</a:t>
             </a:fld>
@@ -1962,7 +1962,7 @@
           <p:cNvPr id="4" name="页脚占位符 3">
             <a:extLst>
               <a:ext uri="{FF2B5EF4-FFF2-40B4-BE49-F238E27FC236}">
-                <a16:creationId xmlns:a16="http://schemas.microsoft.com/office/drawing/2014/main" id="{211BB58A-D9E9-2B12-8DA5-247B350A7CCE}"/>
+                <a16:creationId xmlns:a16="http://schemas.microsoft.com/office/drawing/2014/main" id="{5571A6EA-B7B3-4642-8301-52D8330DDAF2}"/>
               </a:ext>
             </a:extLst>
           </p:cNvPr>
@@ -1987,7 +1987,7 @@
           <p:cNvPr id="5" name="灯片编号占位符 4">
             <a:extLst>
               <a:ext uri="{FF2B5EF4-FFF2-40B4-BE49-F238E27FC236}">
-                <a16:creationId xmlns:a16="http://schemas.microsoft.com/office/drawing/2014/main" id="{DF29E74C-5B97-CC1E-A2BE-5EE482B626F6}"/>
+                <a16:creationId xmlns:a16="http://schemas.microsoft.com/office/drawing/2014/main" id="{8A417146-4DE1-5C6F-BA19-0E377DED7ED4}"/>
               </a:ext>
             </a:extLst>
           </p:cNvPr>
@@ -2003,7 +2003,7 @@
           <a:bodyPr/>
           <a:lstStyle/>
           <a:p>
-            <a:fld id="{8D83106B-62C0-41E7-BD57-65FD0AFA03AD}" type="slidenum">
+            <a:fld id="{BC90E40C-01B7-4A12-BA1B-EC5A014C3C5B}" type="slidenum">
               <a:rPr lang="zh-CN" altLang="en-US" smtClean="0"/>
               <a:t>‹#›</a:t>
             </a:fld>
@@ -2014,7 +2014,7 @@
     </p:spTree>
     <p:extLst>
       <p:ext uri="{BB962C8B-B14F-4D97-AF65-F5344CB8AC3E}">
-        <p14:creationId xmlns:p14="http://schemas.microsoft.com/office/powerpoint/2010/main" val="3340764567"/>
+        <p14:creationId xmlns:p14="http://schemas.microsoft.com/office/powerpoint/2010/main" val="1603732774"/>
       </p:ext>
     </p:extLst>
   </p:cSld>
@@ -2046,7 +2046,7 @@
           <p:cNvPr id="2" name="日期占位符 1">
             <a:extLst>
               <a:ext uri="{FF2B5EF4-FFF2-40B4-BE49-F238E27FC236}">
-                <a16:creationId xmlns:a16="http://schemas.microsoft.com/office/drawing/2014/main" id="{2E2D6240-2340-8749-9B93-46BCB2B325D3}"/>
+                <a16:creationId xmlns:a16="http://schemas.microsoft.com/office/drawing/2014/main" id="{30DA0BE1-887B-C8E4-A1B5-2E4E251E8E3D}"/>
               </a:ext>
             </a:extLst>
           </p:cNvPr>
@@ -2062,7 +2062,7 @@
           <a:bodyPr/>
           <a:lstStyle/>
           <a:p>
-            <a:fld id="{927694C0-3D3E-4771-AEA3-942BFD0BE4FD}" type="datetimeFigureOut">
+            <a:fld id="{22B4C43D-F2FC-4F96-901B-470012C1B420}" type="datetimeFigureOut">
               <a:rPr lang="zh-CN" altLang="en-US" smtClean="0"/>
               <a:t>2024/3/10</a:t>
             </a:fld>
@@ -2075,7 +2075,7 @@
           <p:cNvPr id="3" name="页脚占位符 2">
             <a:extLst>
               <a:ext uri="{FF2B5EF4-FFF2-40B4-BE49-F238E27FC236}">
-                <a16:creationId xmlns:a16="http://schemas.microsoft.com/office/drawing/2014/main" id="{2A9C07FE-00DD-57F0-9932-E2150E426516}"/>
+                <a16:creationId xmlns:a16="http://schemas.microsoft.com/office/drawing/2014/main" id="{048B027C-97D5-7083-3F68-0F2CC57B2520}"/>
               </a:ext>
             </a:extLst>
           </p:cNvPr>
@@ -2100,7 +2100,7 @@
           <p:cNvPr id="4" name="灯片编号占位符 3">
             <a:extLst>
               <a:ext uri="{FF2B5EF4-FFF2-40B4-BE49-F238E27FC236}">
-                <a16:creationId xmlns:a16="http://schemas.microsoft.com/office/drawing/2014/main" id="{3CB70AEE-8B0E-5796-A7B6-5E378FB302F1}"/>
+                <a16:creationId xmlns:a16="http://schemas.microsoft.com/office/drawing/2014/main" id="{FEF9B936-FD3C-D339-5131-E41B4690FB02}"/>
               </a:ext>
             </a:extLst>
           </p:cNvPr>
@@ -2116,7 +2116,7 @@
           <a:bodyPr/>
           <a:lstStyle/>
           <a:p>
-            <a:fld id="{8D83106B-62C0-41E7-BD57-65FD0AFA03AD}" type="slidenum">
+            <a:fld id="{BC90E40C-01B7-4A12-BA1B-EC5A014C3C5B}" type="slidenum">
               <a:rPr lang="zh-CN" altLang="en-US" smtClean="0"/>
               <a:t>‹#›</a:t>
             </a:fld>
@@ -2127,7 +2127,7 @@
     </p:spTree>
     <p:extLst>
       <p:ext uri="{BB962C8B-B14F-4D97-AF65-F5344CB8AC3E}">
-        <p14:creationId xmlns:p14="http://schemas.microsoft.com/office/powerpoint/2010/main" val="4287037020"/>
+        <p14:creationId xmlns:p14="http://schemas.microsoft.com/office/powerpoint/2010/main" val="3154501805"/>
       </p:ext>
     </p:extLst>
   </p:cSld>
@@ -2159,7 +2159,7 @@
           <p:cNvPr id="2" name="标题 1">
             <a:extLst>
               <a:ext uri="{FF2B5EF4-FFF2-40B4-BE49-F238E27FC236}">
-                <a16:creationId xmlns:a16="http://schemas.microsoft.com/office/drawing/2014/main" id="{ACEA01F6-3D5F-8C4D-F1C8-92E5BA8C103D}"/>
+                <a16:creationId xmlns:a16="http://schemas.microsoft.com/office/drawing/2014/main" id="{B77FC641-F120-24C3-3900-966FD6606E76}"/>
               </a:ext>
             </a:extLst>
           </p:cNvPr>
@@ -2196,7 +2196,7 @@
           <p:cNvPr id="3" name="内容占位符 2">
             <a:extLst>
               <a:ext uri="{FF2B5EF4-FFF2-40B4-BE49-F238E27FC236}">
-                <a16:creationId xmlns:a16="http://schemas.microsoft.com/office/drawing/2014/main" id="{0A8DFF48-4BB1-0595-5199-BB961E6F6DC1}"/>
+                <a16:creationId xmlns:a16="http://schemas.microsoft.com/office/drawing/2014/main" id="{FF03B790-F60D-45E8-1D4B-69D68DAA1333}"/>
               </a:ext>
             </a:extLst>
           </p:cNvPr>
@@ -2286,7 +2286,7 @@
           <p:cNvPr id="4" name="文本占位符 3">
             <a:extLst>
               <a:ext uri="{FF2B5EF4-FFF2-40B4-BE49-F238E27FC236}">
-                <a16:creationId xmlns:a16="http://schemas.microsoft.com/office/drawing/2014/main" id="{8AA1468E-2901-EEC3-9C06-4D65DE412673}"/>
+                <a16:creationId xmlns:a16="http://schemas.microsoft.com/office/drawing/2014/main" id="{9DD2D86D-237B-70D3-C579-59B79627C0BF}"/>
               </a:ext>
             </a:extLst>
           </p:cNvPr>
@@ -2357,7 +2357,7 @@
           <p:cNvPr id="5" name="日期占位符 4">
             <a:extLst>
               <a:ext uri="{FF2B5EF4-FFF2-40B4-BE49-F238E27FC236}">
-                <a16:creationId xmlns:a16="http://schemas.microsoft.com/office/drawing/2014/main" id="{F098F348-AFA6-2BFF-9427-6CB80572AFD9}"/>
+                <a16:creationId xmlns:a16="http://schemas.microsoft.com/office/drawing/2014/main" id="{5DAEE9C8-FA79-481D-E2D1-086FD057EFFA}"/>
               </a:ext>
             </a:extLst>
           </p:cNvPr>
@@ -2373,7 +2373,7 @@
           <a:bodyPr/>
           <a:lstStyle/>
           <a:p>
-            <a:fld id="{927694C0-3D3E-4771-AEA3-942BFD0BE4FD}" type="datetimeFigureOut">
+            <a:fld id="{22B4C43D-F2FC-4F96-901B-470012C1B420}" type="datetimeFigureOut">
               <a:rPr lang="zh-CN" altLang="en-US" smtClean="0"/>
               <a:t>2024/3/10</a:t>
             </a:fld>
@@ -2386,7 +2386,7 @@
           <p:cNvPr id="6" name="页脚占位符 5">
             <a:extLst>
               <a:ext uri="{FF2B5EF4-FFF2-40B4-BE49-F238E27FC236}">
-                <a16:creationId xmlns:a16="http://schemas.microsoft.com/office/drawing/2014/main" id="{BBDDB3D5-9D19-8A7A-FFD0-6DC590C679BD}"/>
+                <a16:creationId xmlns:a16="http://schemas.microsoft.com/office/drawing/2014/main" id="{154B6D6E-BB29-7C9E-FB2C-74A3B2F3FA14}"/>
               </a:ext>
             </a:extLst>
           </p:cNvPr>
@@ -2411,7 +2411,7 @@
           <p:cNvPr id="7" name="灯片编号占位符 6">
             <a:extLst>
               <a:ext uri="{FF2B5EF4-FFF2-40B4-BE49-F238E27FC236}">
-                <a16:creationId xmlns:a16="http://schemas.microsoft.com/office/drawing/2014/main" id="{EE4AE36D-28B6-55DB-3320-AF8623D3A82B}"/>
+                <a16:creationId xmlns:a16="http://schemas.microsoft.com/office/drawing/2014/main" id="{6CE5D3F3-84EB-8FCC-6136-330199D31B92}"/>
               </a:ext>
             </a:extLst>
           </p:cNvPr>
@@ -2427,7 +2427,7 @@
           <a:bodyPr/>
           <a:lstStyle/>
           <a:p>
-            <a:fld id="{8D83106B-62C0-41E7-BD57-65FD0AFA03AD}" type="slidenum">
+            <a:fld id="{BC90E40C-01B7-4A12-BA1B-EC5A014C3C5B}" type="slidenum">
               <a:rPr lang="zh-CN" altLang="en-US" smtClean="0"/>
               <a:t>‹#›</a:t>
             </a:fld>
@@ -2438,7 +2438,7 @@
     </p:spTree>
     <p:extLst>
       <p:ext uri="{BB962C8B-B14F-4D97-AF65-F5344CB8AC3E}">
-        <p14:creationId xmlns:p14="http://schemas.microsoft.com/office/powerpoint/2010/main" val="752711582"/>
+        <p14:creationId xmlns:p14="http://schemas.microsoft.com/office/powerpoint/2010/main" val="3032401458"/>
       </p:ext>
     </p:extLst>
   </p:cSld>
@@ -2470,7 +2470,7 @@
           <p:cNvPr id="2" name="标题 1">
             <a:extLst>
               <a:ext uri="{FF2B5EF4-FFF2-40B4-BE49-F238E27FC236}">
-                <a16:creationId xmlns:a16="http://schemas.microsoft.com/office/drawing/2014/main" id="{58A16DD8-E739-A6B1-2501-0FEFA73DB7F1}"/>
+                <a16:creationId xmlns:a16="http://schemas.microsoft.com/office/drawing/2014/main" id="{F3947872-2393-CDB7-3DB9-5C0B4F37F7C7}"/>
               </a:ext>
             </a:extLst>
           </p:cNvPr>
@@ -2507,7 +2507,7 @@
           <p:cNvPr id="3" name="图片占位符 2">
             <a:extLst>
               <a:ext uri="{FF2B5EF4-FFF2-40B4-BE49-F238E27FC236}">
-                <a16:creationId xmlns:a16="http://schemas.microsoft.com/office/drawing/2014/main" id="{DF445048-BE80-78E3-F9D5-F145C3B6801F}"/>
+                <a16:creationId xmlns:a16="http://schemas.microsoft.com/office/drawing/2014/main" id="{7BD285D2-02A1-7CB5-11FA-999E2EB2A636}"/>
               </a:ext>
             </a:extLst>
           </p:cNvPr>
@@ -2574,7 +2574,7 @@
           <p:cNvPr id="4" name="文本占位符 3">
             <a:extLst>
               <a:ext uri="{FF2B5EF4-FFF2-40B4-BE49-F238E27FC236}">
-                <a16:creationId xmlns:a16="http://schemas.microsoft.com/office/drawing/2014/main" id="{B92EDCE7-9626-4756-EE47-EB483CA46F98}"/>
+                <a16:creationId xmlns:a16="http://schemas.microsoft.com/office/drawing/2014/main" id="{FB3C477A-D804-C451-753A-B08FF11A8144}"/>
               </a:ext>
             </a:extLst>
           </p:cNvPr>
@@ -2645,7 +2645,7 @@
           <p:cNvPr id="5" name="日期占位符 4">
             <a:extLst>
               <a:ext uri="{FF2B5EF4-FFF2-40B4-BE49-F238E27FC236}">
-                <a16:creationId xmlns:a16="http://schemas.microsoft.com/office/drawing/2014/main" id="{81D73977-8FDF-061E-A62C-6F57B0DFD001}"/>
+                <a16:creationId xmlns:a16="http://schemas.microsoft.com/office/drawing/2014/main" id="{6661871B-4182-6ED7-9AD9-D35A25D6C50C}"/>
               </a:ext>
             </a:extLst>
           </p:cNvPr>
@@ -2661,7 +2661,7 @@
           <a:bodyPr/>
           <a:lstStyle/>
           <a:p>
-            <a:fld id="{927694C0-3D3E-4771-AEA3-942BFD0BE4FD}" type="datetimeFigureOut">
+            <a:fld id="{22B4C43D-F2FC-4F96-901B-470012C1B420}" type="datetimeFigureOut">
               <a:rPr lang="zh-CN" altLang="en-US" smtClean="0"/>
               <a:t>2024/3/10</a:t>
             </a:fld>
@@ -2674,7 +2674,7 @@
           <p:cNvPr id="6" name="页脚占位符 5">
             <a:extLst>
               <a:ext uri="{FF2B5EF4-FFF2-40B4-BE49-F238E27FC236}">
-                <a16:creationId xmlns:a16="http://schemas.microsoft.com/office/drawing/2014/main" id="{1F5A87C2-958D-CD11-D017-215201978DB5}"/>
+                <a16:creationId xmlns:a16="http://schemas.microsoft.com/office/drawing/2014/main" id="{1D0B8914-A826-3230-B9E0-AA6985FB817F}"/>
               </a:ext>
             </a:extLst>
           </p:cNvPr>
@@ -2699,7 +2699,7 @@
           <p:cNvPr id="7" name="灯片编号占位符 6">
             <a:extLst>
               <a:ext uri="{FF2B5EF4-FFF2-40B4-BE49-F238E27FC236}">
-                <a16:creationId xmlns:a16="http://schemas.microsoft.com/office/drawing/2014/main" id="{979C1CB4-F4D0-A6CE-D69E-3A3FE69FD753}"/>
+                <a16:creationId xmlns:a16="http://schemas.microsoft.com/office/drawing/2014/main" id="{39A1E21E-B702-13EC-FEDC-C2D3CE2D6CA0}"/>
               </a:ext>
             </a:extLst>
           </p:cNvPr>
@@ -2715,7 +2715,7 @@
           <a:bodyPr/>
           <a:lstStyle/>
           <a:p>
-            <a:fld id="{8D83106B-62C0-41E7-BD57-65FD0AFA03AD}" type="slidenum">
+            <a:fld id="{BC90E40C-01B7-4A12-BA1B-EC5A014C3C5B}" type="slidenum">
               <a:rPr lang="zh-CN" altLang="en-US" smtClean="0"/>
               <a:t>‹#›</a:t>
             </a:fld>
@@ -2726,7 +2726,7 @@
     </p:spTree>
     <p:extLst>
       <p:ext uri="{BB962C8B-B14F-4D97-AF65-F5344CB8AC3E}">
-        <p14:creationId xmlns:p14="http://schemas.microsoft.com/office/powerpoint/2010/main" val="4291007815"/>
+        <p14:creationId xmlns:p14="http://schemas.microsoft.com/office/powerpoint/2010/main" val="3583725924"/>
       </p:ext>
     </p:extLst>
   </p:cSld>
@@ -2763,7 +2763,7 @@
           <p:cNvPr id="2" name="标题占位符 1">
             <a:extLst>
               <a:ext uri="{FF2B5EF4-FFF2-40B4-BE49-F238E27FC236}">
-                <a16:creationId xmlns:a16="http://schemas.microsoft.com/office/drawing/2014/main" id="{6A6B3325-0FA8-31C8-552A-CF7A641B57F0}"/>
+                <a16:creationId xmlns:a16="http://schemas.microsoft.com/office/drawing/2014/main" id="{B81D74C3-393C-6F7A-8836-0182A6AFDF8A}"/>
               </a:ext>
             </a:extLst>
           </p:cNvPr>
@@ -2801,7 +2801,7 @@
           <p:cNvPr id="3" name="文本占位符 2">
             <a:extLst>
               <a:ext uri="{FF2B5EF4-FFF2-40B4-BE49-F238E27FC236}">
-                <a16:creationId xmlns:a16="http://schemas.microsoft.com/office/drawing/2014/main" id="{4D8C0285-9B44-0FD4-BBFE-005474ED9A07}"/>
+                <a16:creationId xmlns:a16="http://schemas.microsoft.com/office/drawing/2014/main" id="{2A0C6BD7-4E45-EE50-7888-73AF6C49BFF0}"/>
               </a:ext>
             </a:extLst>
           </p:cNvPr>
@@ -2868,7 +2868,7 @@
           <p:cNvPr id="4" name="日期占位符 3">
             <a:extLst>
               <a:ext uri="{FF2B5EF4-FFF2-40B4-BE49-F238E27FC236}">
-                <a16:creationId xmlns:a16="http://schemas.microsoft.com/office/drawing/2014/main" id="{FE5B040B-47F2-A2BF-8730-E115D366A23C}"/>
+                <a16:creationId xmlns:a16="http://schemas.microsoft.com/office/drawing/2014/main" id="{28BE4152-DDA8-7D47-7848-AA70768F9E85}"/>
               </a:ext>
             </a:extLst>
           </p:cNvPr>
@@ -2902,7 +2902,7 @@
             </a:lvl1pPr>
           </a:lstStyle>
           <a:p>
-            <a:fld id="{927694C0-3D3E-4771-AEA3-942BFD0BE4FD}" type="datetimeFigureOut">
+            <a:fld id="{22B4C43D-F2FC-4F96-901B-470012C1B420}" type="datetimeFigureOut">
               <a:rPr lang="zh-CN" altLang="en-US" smtClean="0"/>
               <a:t>2024/3/10</a:t>
             </a:fld>
@@ -2915,7 +2915,7 @@
           <p:cNvPr id="5" name="页脚占位符 4">
             <a:extLst>
               <a:ext uri="{FF2B5EF4-FFF2-40B4-BE49-F238E27FC236}">
-                <a16:creationId xmlns:a16="http://schemas.microsoft.com/office/drawing/2014/main" id="{64705556-75E1-0980-40FA-7FB9DD8945CE}"/>
+                <a16:creationId xmlns:a16="http://schemas.microsoft.com/office/drawing/2014/main" id="{39C32ADD-1BFB-B3D6-C60C-A9EA4D452EBC}"/>
               </a:ext>
             </a:extLst>
           </p:cNvPr>
@@ -2958,7 +2958,7 @@
           <p:cNvPr id="6" name="灯片编号占位符 5">
             <a:extLst>
               <a:ext uri="{FF2B5EF4-FFF2-40B4-BE49-F238E27FC236}">
-                <a16:creationId xmlns:a16="http://schemas.microsoft.com/office/drawing/2014/main" id="{EBF171BA-1A26-BC48-A9F6-85C121938FA3}"/>
+                <a16:creationId xmlns:a16="http://schemas.microsoft.com/office/drawing/2014/main" id="{126E0C00-94AE-6F46-7EFD-B703192D0CAF}"/>
               </a:ext>
             </a:extLst>
           </p:cNvPr>
@@ -2992,7 +2992,7 @@
             </a:lvl1pPr>
           </a:lstStyle>
           <a:p>
-            <a:fld id="{8D83106B-62C0-41E7-BD57-65FD0AFA03AD}" type="slidenum">
+            <a:fld id="{BC90E40C-01B7-4A12-BA1B-EC5A014C3C5B}" type="slidenum">
               <a:rPr lang="zh-CN" altLang="en-US" smtClean="0"/>
               <a:t>‹#›</a:t>
             </a:fld>
@@ -3003,7 +3003,7 @@
     </p:spTree>
     <p:extLst>
       <p:ext uri="{BB962C8B-B14F-4D97-AF65-F5344CB8AC3E}">
-        <p14:creationId xmlns:p14="http://schemas.microsoft.com/office/powerpoint/2010/main" val="202411114"/>
+        <p14:creationId xmlns:p14="http://schemas.microsoft.com/office/powerpoint/2010/main" val="338087458"/>
       </p:ext>
     </p:extLst>
   </p:cSld>
